--- a/Team Doldit.pptx
+++ b/Team Doldit.pptx
@@ -9,8 +9,9 @@
     <p:sldId id="257" r:id="rId3"/>
     <p:sldId id="258" r:id="rId4"/>
     <p:sldId id="260" r:id="rId5"/>
-    <p:sldId id="261" r:id="rId6"/>
-    <p:sldId id="259" r:id="rId7"/>
+    <p:sldId id="262" r:id="rId6"/>
+    <p:sldId id="261" r:id="rId7"/>
+    <p:sldId id="259" r:id="rId8"/>
   </p:sldIdLst>
   <p:sldSz cx="12192000" cy="6858000"/>
   <p:notesSz cx="6858000" cy="9144000"/>
@@ -118,6 +119,7 @@
             <p14:sldId id="257"/>
             <p14:sldId id="258"/>
             <p14:sldId id="260"/>
+            <p14:sldId id="262"/>
             <p14:sldId id="261"/>
             <p14:sldId id="259"/>
           </p14:sldIdLst>
@@ -322,7 +324,7 @@
           <a:p>
             <a:fld id="{15E3604E-E491-4E2B-8A0C-3E49592DD3DB}" type="datetimeFigureOut">
               <a:rPr lang="bg-BG" smtClean="0"/>
-              <a:t>21.5.2015 г.</a:t>
+              <a:t>27.5.2015 г.</a:t>
             </a:fld>
             <a:endParaRPr lang="bg-BG"/>
           </a:p>
@@ -758,7 +760,7 @@
           <a:p>
             <a:fld id="{15E3604E-E491-4E2B-8A0C-3E49592DD3DB}" type="datetimeFigureOut">
               <a:rPr lang="bg-BG" smtClean="0"/>
-              <a:t>21.5.2015 г.</a:t>
+              <a:t>27.5.2015 г.</a:t>
             </a:fld>
             <a:endParaRPr lang="bg-BG"/>
           </a:p>
@@ -1008,7 +1010,7 @@
           <a:p>
             <a:fld id="{15E3604E-E491-4E2B-8A0C-3E49592DD3DB}" type="datetimeFigureOut">
               <a:rPr lang="bg-BG" smtClean="0"/>
-              <a:t>21.5.2015 г.</a:t>
+              <a:t>27.5.2015 г.</a:t>
             </a:fld>
             <a:endParaRPr lang="bg-BG"/>
           </a:p>
@@ -1316,7 +1318,7 @@
           <a:p>
             <a:fld id="{15E3604E-E491-4E2B-8A0C-3E49592DD3DB}" type="datetimeFigureOut">
               <a:rPr lang="bg-BG" smtClean="0"/>
-              <a:t>21.5.2015 г.</a:t>
+              <a:t>27.5.2015 г.</a:t>
             </a:fld>
             <a:endParaRPr lang="bg-BG"/>
           </a:p>
@@ -1634,7 +1636,7 @@
           <a:p>
             <a:fld id="{15E3604E-E491-4E2B-8A0C-3E49592DD3DB}" type="datetimeFigureOut">
               <a:rPr lang="bg-BG" smtClean="0"/>
-              <a:t>21.5.2015 г.</a:t>
+              <a:t>27.5.2015 г.</a:t>
             </a:fld>
             <a:endParaRPr lang="bg-BG"/>
           </a:p>
@@ -1936,7 +1938,7 @@
           <a:p>
             <a:fld id="{15E3604E-E491-4E2B-8A0C-3E49592DD3DB}" type="datetimeFigureOut">
               <a:rPr lang="bg-BG" smtClean="0"/>
-              <a:t>21.5.2015 г.</a:t>
+              <a:t>27.5.2015 г.</a:t>
             </a:fld>
             <a:endParaRPr lang="bg-BG"/>
           </a:p>
@@ -2303,7 +2305,7 @@
           <a:p>
             <a:fld id="{15E3604E-E491-4E2B-8A0C-3E49592DD3DB}" type="datetimeFigureOut">
               <a:rPr lang="bg-BG" smtClean="0"/>
-              <a:t>21.5.2015 г.</a:t>
+              <a:t>27.5.2015 г.</a:t>
             </a:fld>
             <a:endParaRPr lang="bg-BG"/>
           </a:p>
@@ -2477,7 +2479,7 @@
           <a:p>
             <a:fld id="{15E3604E-E491-4E2B-8A0C-3E49592DD3DB}" type="datetimeFigureOut">
               <a:rPr lang="bg-BG" smtClean="0"/>
-              <a:t>21.5.2015 г.</a:t>
+              <a:t>27.5.2015 г.</a:t>
             </a:fld>
             <a:endParaRPr lang="bg-BG"/>
           </a:p>
@@ -2657,7 +2659,7 @@
           <a:p>
             <a:fld id="{15E3604E-E491-4E2B-8A0C-3E49592DD3DB}" type="datetimeFigureOut">
               <a:rPr lang="bg-BG" smtClean="0"/>
-              <a:t>21.5.2015 г.</a:t>
+              <a:t>27.5.2015 г.</a:t>
             </a:fld>
             <a:endParaRPr lang="bg-BG"/>
           </a:p>
@@ -2827,7 +2829,7 @@
           <a:p>
             <a:fld id="{15E3604E-E491-4E2B-8A0C-3E49592DD3DB}" type="datetimeFigureOut">
               <a:rPr lang="bg-BG" smtClean="0"/>
-              <a:t>21.5.2015 г.</a:t>
+              <a:t>27.5.2015 г.</a:t>
             </a:fld>
             <a:endParaRPr lang="bg-BG"/>
           </a:p>
@@ -3077,7 +3079,7 @@
           <a:p>
             <a:fld id="{15E3604E-E491-4E2B-8A0C-3E49592DD3DB}" type="datetimeFigureOut">
               <a:rPr lang="bg-BG" smtClean="0"/>
-              <a:t>21.5.2015 г.</a:t>
+              <a:t>27.5.2015 г.</a:t>
             </a:fld>
             <a:endParaRPr lang="bg-BG"/>
           </a:p>
@@ -3313,7 +3315,7 @@
           <a:p>
             <a:fld id="{15E3604E-E491-4E2B-8A0C-3E49592DD3DB}" type="datetimeFigureOut">
               <a:rPr lang="bg-BG" smtClean="0"/>
-              <a:t>21.5.2015 г.</a:t>
+              <a:t>27.5.2015 г.</a:t>
             </a:fld>
             <a:endParaRPr lang="bg-BG"/>
           </a:p>
@@ -3695,7 +3697,7 @@
           <a:p>
             <a:fld id="{15E3604E-E491-4E2B-8A0C-3E49592DD3DB}" type="datetimeFigureOut">
               <a:rPr lang="bg-BG" smtClean="0"/>
-              <a:t>21.5.2015 г.</a:t>
+              <a:t>27.5.2015 г.</a:t>
             </a:fld>
             <a:endParaRPr lang="bg-BG"/>
           </a:p>
@@ -3813,7 +3815,7 @@
           <a:p>
             <a:fld id="{15E3604E-E491-4E2B-8A0C-3E49592DD3DB}" type="datetimeFigureOut">
               <a:rPr lang="bg-BG" smtClean="0"/>
-              <a:t>21.5.2015 г.</a:t>
+              <a:t>27.5.2015 г.</a:t>
             </a:fld>
             <a:endParaRPr lang="bg-BG"/>
           </a:p>
@@ -3908,7 +3910,7 @@
           <a:p>
             <a:fld id="{15E3604E-E491-4E2B-8A0C-3E49592DD3DB}" type="datetimeFigureOut">
               <a:rPr lang="bg-BG" smtClean="0"/>
-              <a:t>21.5.2015 г.</a:t>
+              <a:t>27.5.2015 г.</a:t>
             </a:fld>
             <a:endParaRPr lang="bg-BG"/>
           </a:p>
@@ -4163,7 +4165,7 @@
           <a:p>
             <a:fld id="{15E3604E-E491-4E2B-8A0C-3E49592DD3DB}" type="datetimeFigureOut">
               <a:rPr lang="bg-BG" smtClean="0"/>
-              <a:t>21.5.2015 г.</a:t>
+              <a:t>27.5.2015 г.</a:t>
             </a:fld>
             <a:endParaRPr lang="bg-BG"/>
           </a:p>
@@ -4446,7 +4448,7 @@
           <a:p>
             <a:fld id="{15E3604E-E491-4E2B-8A0C-3E49592DD3DB}" type="datetimeFigureOut">
               <a:rPr lang="bg-BG" smtClean="0"/>
-              <a:t>21.5.2015 г.</a:t>
+              <a:t>27.5.2015 г.</a:t>
             </a:fld>
             <a:endParaRPr lang="bg-BG"/>
           </a:p>
@@ -4852,7 +4854,7 @@
           <a:p>
             <a:fld id="{15E3604E-E491-4E2B-8A0C-3E49592DD3DB}" type="datetimeFigureOut">
               <a:rPr lang="bg-BG" smtClean="0"/>
-              <a:t>21.5.2015 г.</a:t>
+              <a:t>27.5.2015 г.</a:t>
             </a:fld>
             <a:endParaRPr lang="bg-BG"/>
           </a:p>
@@ -5849,6 +5851,32 @@
           <a:bodyPr/>
           <a:lstStyle/>
           <a:p>
+            <a:pPr marL="0" indent="0">
+              <a:buNone/>
+            </a:pPr>
+            <a:r>
+              <a:rPr lang="en-US" dirty="0" smtClean="0">
+                <a:solidFill>
+                  <a:schemeClr val="tx1"/>
+                </a:solidFill>
+              </a:rPr>
+              <a:t>The game is easy for use, the only controls is: </a:t>
+            </a:r>
+          </a:p>
+          <a:p>
+            <a:pPr marL="0" indent="0">
+              <a:buNone/>
+            </a:pPr>
+            <a:endParaRPr lang="en-US" dirty="0" smtClean="0">
+              <a:solidFill>
+                <a:schemeClr val="tx1"/>
+              </a:solidFill>
+            </a:endParaRPr>
+          </a:p>
+          <a:p>
+            <a:pPr marL="0" indent="0">
+              <a:buNone/>
+            </a:pPr>
             <a:r>
               <a:rPr lang="en-US" dirty="0" smtClean="0">
                 <a:solidFill>
@@ -5859,6 +5887,9 @@
             </a:r>
           </a:p>
           <a:p>
+            <a:pPr marL="0" indent="0">
+              <a:buNone/>
+            </a:pPr>
             <a:r>
               <a:rPr lang="en-US" dirty="0" smtClean="0">
                 <a:solidFill>
@@ -5869,13 +5900,16 @@
             </a:r>
           </a:p>
           <a:p>
+            <a:pPr marL="0" indent="0">
+              <a:buNone/>
+            </a:pPr>
             <a:r>
               <a:rPr lang="en-US" dirty="0" smtClean="0">
                 <a:solidFill>
                   <a:schemeClr val="tx1"/>
                 </a:solidFill>
               </a:rPr>
-              <a:t>Space – jump</a:t>
+              <a:t>Up Arrow – jump</a:t>
             </a:r>
           </a:p>
           <a:p>
@@ -5967,6 +6001,142 @@
             <p:ph type="title"/>
           </p:nvPr>
         </p:nvSpPr>
+        <p:spPr/>
+        <p:txBody>
+          <a:bodyPr/>
+          <a:lstStyle/>
+          <a:p>
+            <a:r>
+              <a:rPr lang="en-US" dirty="0" smtClean="0">
+                <a:latin typeface="Algerian" panose="04020705040A02060702" pitchFamily="82" charset="0"/>
+              </a:rPr>
+              <a:t>Structure of the game</a:t>
+            </a:r>
+            <a:endParaRPr lang="bg-BG" dirty="0"/>
+          </a:p>
+        </p:txBody>
+      </p:sp>
+      <p:sp>
+        <p:nvSpPr>
+          <p:cNvPr id="3" name="Content Placeholder 2"/>
+          <p:cNvSpPr>
+            <a:spLocks noGrp="1"/>
+          </p:cNvSpPr>
+          <p:nvPr>
+            <p:ph idx="1"/>
+          </p:nvPr>
+        </p:nvSpPr>
+        <p:spPr/>
+        <p:txBody>
+          <a:bodyPr/>
+          <a:lstStyle/>
+          <a:p>
+            <a:pPr marL="0" indent="0">
+              <a:buNone/>
+            </a:pPr>
+            <a:r>
+              <a:rPr lang="en-US" dirty="0" smtClean="0">
+                <a:solidFill>
+                  <a:schemeClr val="tx1"/>
+                </a:solidFill>
+              </a:rPr>
+              <a:t>We have several classes in game:</a:t>
+            </a:r>
+          </a:p>
+          <a:p>
+            <a:pPr marL="0" indent="0">
+              <a:buNone/>
+            </a:pPr>
+            <a:r>
+              <a:rPr lang="en-US" dirty="0" smtClean="0">
+                <a:solidFill>
+                  <a:schemeClr val="tx1"/>
+                </a:solidFill>
+              </a:rPr>
+              <a:t>-for moving ground</a:t>
+            </a:r>
+          </a:p>
+          <a:p>
+            <a:pPr marL="0" indent="0">
+              <a:buNone/>
+            </a:pPr>
+            <a:r>
+              <a:rPr lang="en-US" dirty="0" smtClean="0">
+                <a:solidFill>
+                  <a:schemeClr val="tx1"/>
+                </a:solidFill>
+              </a:rPr>
+              <a:t>-for characters</a:t>
+            </a:r>
+          </a:p>
+          <a:p>
+            <a:pPr marL="0" indent="0">
+              <a:buNone/>
+            </a:pPr>
+            <a:r>
+              <a:rPr lang="en-US" dirty="0" smtClean="0">
+                <a:solidFill>
+                  <a:schemeClr val="tx1"/>
+                </a:solidFill>
+              </a:rPr>
+              <a:t>- for all other stuff (score, player name, moving background</a:t>
+            </a:r>
+            <a:r>
+              <a:rPr lang="en-US" smtClean="0">
+                <a:solidFill>
+                  <a:schemeClr val="tx1"/>
+                </a:solidFill>
+              </a:rPr>
+              <a:t>, etc.</a:t>
+            </a:r>
+            <a:r>
+              <a:rPr lang="en-US" smtClean="0"/>
+              <a:t>)</a:t>
+            </a:r>
+            <a:endParaRPr lang="bg-BG" dirty="0"/>
+          </a:p>
+        </p:txBody>
+      </p:sp>
+    </p:spTree>
+    <p:extLst>
+      <p:ext uri="{BB962C8B-B14F-4D97-AF65-F5344CB8AC3E}">
+        <p14:creationId xmlns:p14="http://schemas.microsoft.com/office/powerpoint/2010/main" val="3315057529"/>
+      </p:ext>
+    </p:extLst>
+  </p:cSld>
+  <p:clrMapOvr>
+    <a:masterClrMapping/>
+  </p:clrMapOvr>
+</p:sld>
+</file>
+
+<file path=ppt/slides/slide6.xml><?xml version="1.0" encoding="utf-8"?>
+<p:sld xmlns:a="http://schemas.openxmlformats.org/drawingml/2006/main" xmlns:r="http://schemas.openxmlformats.org/officeDocument/2006/relationships" xmlns:p="http://schemas.openxmlformats.org/presentationml/2006/main">
+  <p:cSld>
+    <p:spTree>
+      <p:nvGrpSpPr>
+        <p:cNvPr id="1" name=""/>
+        <p:cNvGrpSpPr/>
+        <p:nvPr/>
+      </p:nvGrpSpPr>
+      <p:grpSpPr>
+        <a:xfrm>
+          <a:off x="0" y="0"/>
+          <a:ext cx="0" cy="0"/>
+          <a:chOff x="0" y="0"/>
+          <a:chExt cx="0" cy="0"/>
+        </a:xfrm>
+      </p:grpSpPr>
+      <p:sp>
+        <p:nvSpPr>
+          <p:cNvPr id="2" name="Title 1"/>
+          <p:cNvSpPr>
+            <a:spLocks noGrp="1"/>
+          </p:cNvSpPr>
+          <p:nvPr>
+            <p:ph type="title"/>
+          </p:nvPr>
+        </p:nvSpPr>
         <p:spPr>
           <a:xfrm>
             <a:off x="684212" y="5022791"/>
@@ -5989,31 +6159,26 @@
       </p:sp>
       <p:pic>
         <p:nvPicPr>
-          <p:cNvPr id="4" name="Content Placeholder 3"/>
+          <p:cNvPr id="6" name="Picture 5"/>
           <p:cNvPicPr>
-            <a:picLocks noGrp="1" noChangeAspect="1"/>
+            <a:picLocks noChangeAspect="1"/>
           </p:cNvPicPr>
-          <p:nvPr>
-            <p:ph idx="1"/>
-          </p:nvPr>
+          <p:nvPr/>
         </p:nvPicPr>
         <p:blipFill>
-          <a:blip r:embed="rId2">
-            <a:extLst>
-              <a:ext uri="{28A0092B-C50C-407E-A947-70E740481C1C}">
-                <a14:useLocalDpi xmlns:a14="http://schemas.microsoft.com/office/drawing/2010/main" val="0"/>
-              </a:ext>
-            </a:extLst>
-          </a:blip>
+          <a:blip r:embed="rId2"/>
           <a:stretch>
             <a:fillRect/>
           </a:stretch>
         </p:blipFill>
         <p:spPr>
           <a:xfrm>
-            <a:off x="684212" y="685800"/>
-            <a:ext cx="8264248" cy="4336991"/>
+            <a:off x="985125" y="642549"/>
+            <a:ext cx="7936454" cy="4326958"/>
           </a:xfrm>
+          <a:prstGeom prst="rect">
+            <a:avLst/>
+          </a:prstGeom>
         </p:spPr>
       </p:pic>
     </p:spTree>
@@ -6036,7 +6201,7 @@
 </p:sld>
 </file>
 
-<file path=ppt/slides/slide6.xml><?xml version="1.0" encoding="utf-8"?>
+<file path=ppt/slides/slide7.xml><?xml version="1.0" encoding="utf-8"?>
 <p:sld xmlns:a="http://schemas.openxmlformats.org/drawingml/2006/main" xmlns:r="http://schemas.openxmlformats.org/officeDocument/2006/relationships" xmlns:p="http://schemas.openxmlformats.org/presentationml/2006/main">
   <p:cSld>
     <p:spTree>
@@ -6249,36 +6414,6 @@
           <a:xfrm>
             <a:off x="5466320" y="2174403"/>
             <a:ext cx="1397471" cy="1277252"/>
-          </a:xfrm>
-          <a:prstGeom prst="rect">
-            <a:avLst/>
-          </a:prstGeom>
-        </p:spPr>
-      </p:pic>
-      <p:pic>
-        <p:nvPicPr>
-          <p:cNvPr id="14" name="Picture 13"/>
-          <p:cNvPicPr>
-            <a:picLocks noChangeAspect="1"/>
-          </p:cNvPicPr>
-          <p:nvPr/>
-        </p:nvPicPr>
-        <p:blipFill>
-          <a:blip r:embed="rId3">
-            <a:extLst>
-              <a:ext uri="{28A0092B-C50C-407E-A947-70E740481C1C}">
-                <a14:useLocalDpi xmlns:a14="http://schemas.microsoft.com/office/drawing/2010/main" val="0"/>
-              </a:ext>
-            </a:extLst>
-          </a:blip>
-          <a:stretch>
-            <a:fillRect/>
-          </a:stretch>
-        </p:blipFill>
-        <p:spPr>
-          <a:xfrm>
-            <a:off x="5466320" y="3727621"/>
-            <a:ext cx="1919368" cy="1277252"/>
           </a:xfrm>
           <a:prstGeom prst="rect">
             <a:avLst/>
